--- a/FHIR_APPOINTMENT/SLOT.pptx
+++ b/FHIR_APPOINTMENT/SLOT.pptx
@@ -5,7 +5,7 @@
     <p:sldMasterId id="2147483648" r:id="rId1"/>
   </p:sldMasterIdLst>
   <p:notesMasterIdLst>
-    <p:notesMasterId r:id="rId11"/>
+    <p:notesMasterId r:id="rId13"/>
   </p:notesMasterIdLst>
   <p:sldIdLst>
     <p:sldId id="256" r:id="rId2"/>
@@ -17,6 +17,8 @@
     <p:sldId id="262" r:id="rId8"/>
     <p:sldId id="263" r:id="rId9"/>
     <p:sldId id="264" r:id="rId10"/>
+    <p:sldId id="265" r:id="rId11"/>
+    <p:sldId id="266" r:id="rId12"/>
   </p:sldIdLst>
   <p:sldSz cx="12192000" cy="6858000"/>
   <p:notesSz cx="6858000" cy="9144000"/>
@@ -205,7 +207,7 @@
           <a:p>
             <a:fld id="{D191CA84-60DC-4988-B1E5-95026F224EF9}" type="datetimeFigureOut">
               <a:rPr lang="en-MY" smtClean="0"/>
-              <a:t>21/11/2019</a:t>
+              <a:t>21/12/2019</a:t>
             </a:fld>
             <a:endParaRPr lang="en-MY"/>
           </a:p>
@@ -746,6 +748,97 @@
 </p:notes>
 </file>
 
+<file path=ppt/notesSlides/notesSlide4.xml><?xml version="1.0" encoding="utf-8"?>
+<p:notes xmlns:a="http://schemas.openxmlformats.org/drawingml/2006/main" xmlns:r="http://schemas.openxmlformats.org/officeDocument/2006/relationships" xmlns:p="http://schemas.openxmlformats.org/presentationml/2006/main">
+  <p:cSld>
+    <p:spTree>
+      <p:nvGrpSpPr>
+        <p:cNvPr id="1" name=""/>
+        <p:cNvGrpSpPr/>
+        <p:nvPr/>
+      </p:nvGrpSpPr>
+      <p:grpSpPr>
+        <a:xfrm>
+          <a:off x="0" y="0"/>
+          <a:ext cx="0" cy="0"/>
+          <a:chOff x="0" y="0"/>
+          <a:chExt cx="0" cy="0"/>
+        </a:xfrm>
+      </p:grpSpPr>
+      <p:sp>
+        <p:nvSpPr>
+          <p:cNvPr id="2" name="Slide Image Placeholder 1"/>
+          <p:cNvSpPr>
+            <a:spLocks noGrp="1" noRot="1" noChangeAspect="1"/>
+          </p:cNvSpPr>
+          <p:nvPr>
+            <p:ph type="sldImg"/>
+          </p:nvPr>
+        </p:nvSpPr>
+        <p:spPr/>
+      </p:sp>
+      <p:sp>
+        <p:nvSpPr>
+          <p:cNvPr id="3" name="Notes Placeholder 2"/>
+          <p:cNvSpPr>
+            <a:spLocks noGrp="1"/>
+          </p:cNvSpPr>
+          <p:nvPr>
+            <p:ph type="body" idx="1"/>
+          </p:nvPr>
+        </p:nvSpPr>
+        <p:spPr/>
+        <p:txBody>
+          <a:bodyPr/>
+          <a:lstStyle/>
+          <a:p>
+            <a:r>
+              <a:rPr lang="en-MY" dirty="0" err="1"/>
+              <a:t>url</a:t>
+            </a:r>
+            <a:r>
+              <a:rPr lang="en-MY" dirty="0"/>
+              <a:t> : https://www.hl7.org/fhir/slot.html</a:t>
+            </a:r>
+          </a:p>
+        </p:txBody>
+      </p:sp>
+      <p:sp>
+        <p:nvSpPr>
+          <p:cNvPr id="4" name="Slide Number Placeholder 3"/>
+          <p:cNvSpPr>
+            <a:spLocks noGrp="1"/>
+          </p:cNvSpPr>
+          <p:nvPr>
+            <p:ph type="sldNum" sz="quarter" idx="5"/>
+          </p:nvPr>
+        </p:nvSpPr>
+        <p:spPr/>
+        <p:txBody>
+          <a:bodyPr/>
+          <a:lstStyle/>
+          <a:p>
+            <a:fld id="{4380F5A2-0B31-452C-AFAD-2B02F1F8AECD}" type="slidenum">
+              <a:rPr lang="en-MY" smtClean="0"/>
+              <a:t>10</a:t>
+            </a:fld>
+            <a:endParaRPr lang="en-MY"/>
+          </a:p>
+        </p:txBody>
+      </p:sp>
+    </p:spTree>
+    <p:extLst>
+      <p:ext uri="{BB962C8B-B14F-4D97-AF65-F5344CB8AC3E}">
+        <p14:creationId xmlns:p14="http://schemas.microsoft.com/office/powerpoint/2010/main" val="1015227600"/>
+      </p:ext>
+    </p:extLst>
+  </p:cSld>
+  <p:clrMapOvr>
+    <a:masterClrMapping/>
+  </p:clrMapOvr>
+</p:notes>
+</file>
+
 <file path=ppt/slideLayouts/slideLayout1.xml><?xml version="1.0" encoding="utf-8"?>
 <p:sldLayout xmlns:a="http://schemas.openxmlformats.org/drawingml/2006/main" xmlns:r="http://schemas.openxmlformats.org/officeDocument/2006/relationships" xmlns:p="http://schemas.openxmlformats.org/presentationml/2006/main" type="title" preserve="1">
   <p:cSld name="Title Slide">
@@ -895,7 +988,7 @@
           <a:p>
             <a:fld id="{537A53EC-FDB4-4841-8BCC-24B3E57C0139}" type="datetimeFigureOut">
               <a:rPr lang="en-MY" smtClean="0"/>
-              <a:t>21/11/2019</a:t>
+              <a:t>21/12/2019</a:t>
             </a:fld>
             <a:endParaRPr lang="en-MY"/>
           </a:p>
@@ -1095,7 +1188,7 @@
           <a:p>
             <a:fld id="{537A53EC-FDB4-4841-8BCC-24B3E57C0139}" type="datetimeFigureOut">
               <a:rPr lang="en-MY" smtClean="0"/>
-              <a:t>21/11/2019</a:t>
+              <a:t>21/12/2019</a:t>
             </a:fld>
             <a:endParaRPr lang="en-MY"/>
           </a:p>
@@ -1305,7 +1398,7 @@
           <a:p>
             <a:fld id="{537A53EC-FDB4-4841-8BCC-24B3E57C0139}" type="datetimeFigureOut">
               <a:rPr lang="en-MY" smtClean="0"/>
-              <a:t>21/11/2019</a:t>
+              <a:t>21/12/2019</a:t>
             </a:fld>
             <a:endParaRPr lang="en-MY"/>
           </a:p>
@@ -1505,7 +1598,7 @@
           <a:p>
             <a:fld id="{537A53EC-FDB4-4841-8BCC-24B3E57C0139}" type="datetimeFigureOut">
               <a:rPr lang="en-MY" smtClean="0"/>
-              <a:t>21/11/2019</a:t>
+              <a:t>21/12/2019</a:t>
             </a:fld>
             <a:endParaRPr lang="en-MY"/>
           </a:p>
@@ -1781,7 +1874,7 @@
           <a:p>
             <a:fld id="{537A53EC-FDB4-4841-8BCC-24B3E57C0139}" type="datetimeFigureOut">
               <a:rPr lang="en-MY" smtClean="0"/>
-              <a:t>21/11/2019</a:t>
+              <a:t>21/12/2019</a:t>
             </a:fld>
             <a:endParaRPr lang="en-MY"/>
           </a:p>
@@ -2049,7 +2142,7 @@
           <a:p>
             <a:fld id="{537A53EC-FDB4-4841-8BCC-24B3E57C0139}" type="datetimeFigureOut">
               <a:rPr lang="en-MY" smtClean="0"/>
-              <a:t>21/11/2019</a:t>
+              <a:t>21/12/2019</a:t>
             </a:fld>
             <a:endParaRPr lang="en-MY"/>
           </a:p>
@@ -2464,7 +2557,7 @@
           <a:p>
             <a:fld id="{537A53EC-FDB4-4841-8BCC-24B3E57C0139}" type="datetimeFigureOut">
               <a:rPr lang="en-MY" smtClean="0"/>
-              <a:t>21/11/2019</a:t>
+              <a:t>21/12/2019</a:t>
             </a:fld>
             <a:endParaRPr lang="en-MY"/>
           </a:p>
@@ -2606,7 +2699,7 @@
           <a:p>
             <a:fld id="{537A53EC-FDB4-4841-8BCC-24B3E57C0139}" type="datetimeFigureOut">
               <a:rPr lang="en-MY" smtClean="0"/>
-              <a:t>21/11/2019</a:t>
+              <a:t>21/12/2019</a:t>
             </a:fld>
             <a:endParaRPr lang="en-MY"/>
           </a:p>
@@ -2719,7 +2812,7 @@
           <a:p>
             <a:fld id="{537A53EC-FDB4-4841-8BCC-24B3E57C0139}" type="datetimeFigureOut">
               <a:rPr lang="en-MY" smtClean="0"/>
-              <a:t>21/11/2019</a:t>
+              <a:t>21/12/2019</a:t>
             </a:fld>
             <a:endParaRPr lang="en-MY"/>
           </a:p>
@@ -3032,7 +3125,7 @@
           <a:p>
             <a:fld id="{537A53EC-FDB4-4841-8BCC-24B3E57C0139}" type="datetimeFigureOut">
               <a:rPr lang="en-MY" smtClean="0"/>
-              <a:t>21/11/2019</a:t>
+              <a:t>21/12/2019</a:t>
             </a:fld>
             <a:endParaRPr lang="en-MY"/>
           </a:p>
@@ -3321,7 +3414,7 @@
           <a:p>
             <a:fld id="{537A53EC-FDB4-4841-8BCC-24B3E57C0139}" type="datetimeFigureOut">
               <a:rPr lang="en-MY" smtClean="0"/>
-              <a:t>21/11/2019</a:t>
+              <a:t>21/12/2019</a:t>
             </a:fld>
             <a:endParaRPr lang="en-MY"/>
           </a:p>
@@ -3564,7 +3657,7 @@
           <a:p>
             <a:fld id="{537A53EC-FDB4-4841-8BCC-24B3E57C0139}" type="datetimeFigureOut">
               <a:rPr lang="en-MY" smtClean="0"/>
-              <a:t>21/11/2019</a:t>
+              <a:t>21/12/2019</a:t>
             </a:fld>
             <a:endParaRPr lang="en-MY"/>
           </a:p>
@@ -3997,7 +4090,7 @@
                 <a16:creationId xmlns:a16="http://schemas.microsoft.com/office/drawing/2014/main" id="{2A8AA5BC-4F7A-4226-8F99-6D824B226A97}"/>
               </a:ext>
               <a:ext uri="{C183D7F6-B498-43B3-948B-1728B52AA6E4}">
-                <adec:decorative xmlns:adec="http://schemas.microsoft.com/office/drawing/2017/decorative" xmlns="" val="1"/>
+                <adec:decorative xmlns="" xmlns:adec="http://schemas.microsoft.com/office/drawing/2017/decorative" val="1"/>
               </a:ext>
             </a:extLst>
           </p:cNvPr>
@@ -4060,7 +4153,7 @@
                 <a16:creationId xmlns:a16="http://schemas.microsoft.com/office/drawing/2014/main" id="{3E5445C6-DD42-4979-86FF-03730E8C6DB0}"/>
               </a:ext>
               <a:ext uri="{C183D7F6-B498-43B3-948B-1728B52AA6E4}">
-                <adec:decorative xmlns:adec="http://schemas.microsoft.com/office/drawing/2017/decorative" xmlns="" val="1"/>
+                <adec:decorative xmlns="" xmlns:adec="http://schemas.microsoft.com/office/drawing/2017/decorative" val="1"/>
               </a:ext>
             </a:extLst>
           </p:cNvPr>
@@ -4205,7 +4298,7 @@
                 <a16:creationId xmlns:a16="http://schemas.microsoft.com/office/drawing/2014/main" id="{45000665-DFC7-417E-8FD7-516A0F15C975}"/>
               </a:ext>
               <a:ext uri="{C183D7F6-B498-43B3-948B-1728B52AA6E4}">
-                <adec:decorative xmlns:adec="http://schemas.microsoft.com/office/drawing/2017/decorative" xmlns="" val="1"/>
+                <adec:decorative xmlns="" xmlns:adec="http://schemas.microsoft.com/office/drawing/2017/decorative" val="1"/>
               </a:ext>
             </a:extLst>
           </p:cNvPr>
@@ -4261,6 +4354,503 @@
   <p:clrMapOvr>
     <a:overrideClrMapping bg1="dk1" tx1="lt1" bg2="dk2" tx2="lt2" accent1="accent1" accent2="accent2" accent3="accent3" accent4="accent4" accent5="accent5" accent6="accent6" hlink="hlink" folHlink="folHlink"/>
   </p:clrMapOvr>
+</p:sld>
+</file>
+
+<file path=ppt/slides/slide10.xml><?xml version="1.0" encoding="utf-8"?>
+<p:sld xmlns:a="http://schemas.openxmlformats.org/drawingml/2006/main" xmlns:r="http://schemas.openxmlformats.org/officeDocument/2006/relationships" xmlns:p="http://schemas.openxmlformats.org/presentationml/2006/main">
+  <p:cSld>
+    <p:spTree>
+      <p:nvGrpSpPr>
+        <p:cNvPr id="1" name=""/>
+        <p:cNvGrpSpPr/>
+        <p:nvPr/>
+      </p:nvGrpSpPr>
+      <p:grpSpPr>
+        <a:xfrm>
+          <a:off x="0" y="0"/>
+          <a:ext cx="0" cy="0"/>
+          <a:chOff x="0" y="0"/>
+          <a:chExt cx="0" cy="0"/>
+        </a:xfrm>
+      </p:grpSpPr>
+      <p:pic>
+        <p:nvPicPr>
+          <p:cNvPr id="4" name="Content Placeholder 3">
+            <a:extLst>
+              <a:ext uri="{FF2B5EF4-FFF2-40B4-BE49-F238E27FC236}">
+                <a16:creationId xmlns:a16="http://schemas.microsoft.com/office/drawing/2014/main" id="{0039282B-7A47-41A9-8B62-406A5BCF2016}"/>
+              </a:ext>
+            </a:extLst>
+          </p:cNvPr>
+          <p:cNvPicPr>
+            <a:picLocks noGrp="1" noChangeAspect="1"/>
+          </p:cNvPicPr>
+          <p:nvPr>
+            <p:ph idx="1"/>
+          </p:nvPr>
+        </p:nvPicPr>
+        <p:blipFill rotWithShape="1">
+          <a:blip r:embed="rId3"/>
+          <a:srcRect t="24217" r="1094" b="2500"/>
+          <a:stretch/>
+        </p:blipFill>
+        <p:spPr>
+          <a:xfrm>
+            <a:off x="0" y="1660848"/>
+            <a:ext cx="12058650" cy="5025701"/>
+          </a:xfrm>
+          <a:prstGeom prst="rect">
+            <a:avLst/>
+          </a:prstGeom>
+        </p:spPr>
+      </p:pic>
+      <p:sp>
+        <p:nvSpPr>
+          <p:cNvPr id="2" name="橢圓 1"/>
+          <p:cNvSpPr/>
+          <p:nvPr/>
+        </p:nvSpPr>
+        <p:spPr>
+          <a:xfrm>
+            <a:off x="942393" y="5589037"/>
+            <a:ext cx="867747" cy="345232"/>
+          </a:xfrm>
+          <a:prstGeom prst="ellipse">
+            <a:avLst/>
+          </a:prstGeom>
+          <a:noFill/>
+          <a:ln w="28575">
+            <a:solidFill>
+              <a:srgbClr val="FF0000"/>
+            </a:solidFill>
+          </a:ln>
+        </p:spPr>
+        <p:style>
+          <a:lnRef idx="2">
+            <a:schemeClr val="accent1">
+              <a:shade val="50000"/>
+            </a:schemeClr>
+          </a:lnRef>
+          <a:fillRef idx="1">
+            <a:schemeClr val="accent1"/>
+          </a:fillRef>
+          <a:effectRef idx="0">
+            <a:schemeClr val="accent1"/>
+          </a:effectRef>
+          <a:fontRef idx="minor">
+            <a:schemeClr val="lt1"/>
+          </a:fontRef>
+        </p:style>
+        <p:txBody>
+          <a:bodyPr rtlCol="0" anchor="ctr"/>
+          <a:lstStyle/>
+          <a:p>
+            <a:pPr algn="ctr"/>
+            <a:endParaRPr lang="zh-TW" altLang="en-US"/>
+          </a:p>
+        </p:txBody>
+      </p:sp>
+      <p:sp>
+        <p:nvSpPr>
+          <p:cNvPr id="5" name="橢圓 4"/>
+          <p:cNvSpPr/>
+          <p:nvPr/>
+        </p:nvSpPr>
+        <p:spPr>
+          <a:xfrm>
+            <a:off x="4010803" y="4777274"/>
+            <a:ext cx="4037043" cy="438538"/>
+          </a:xfrm>
+          <a:prstGeom prst="ellipse">
+            <a:avLst/>
+          </a:prstGeom>
+          <a:noFill/>
+          <a:ln w="28575">
+            <a:solidFill>
+              <a:srgbClr val="FF0000"/>
+            </a:solidFill>
+          </a:ln>
+        </p:spPr>
+        <p:style>
+          <a:lnRef idx="2">
+            <a:schemeClr val="accent1">
+              <a:shade val="50000"/>
+            </a:schemeClr>
+          </a:lnRef>
+          <a:fillRef idx="1">
+            <a:schemeClr val="accent1"/>
+          </a:fillRef>
+          <a:effectRef idx="0">
+            <a:schemeClr val="accent1"/>
+          </a:effectRef>
+          <a:fontRef idx="minor">
+            <a:schemeClr val="lt1"/>
+          </a:fontRef>
+        </p:style>
+        <p:txBody>
+          <a:bodyPr rtlCol="0" anchor="ctr"/>
+          <a:lstStyle/>
+          <a:p>
+            <a:pPr algn="ctr"/>
+            <a:endParaRPr lang="zh-TW" altLang="en-US"/>
+          </a:p>
+        </p:txBody>
+      </p:sp>
+      <p:sp>
+        <p:nvSpPr>
+          <p:cNvPr id="6" name="標題 1"/>
+          <p:cNvSpPr>
+            <a:spLocks noGrp="1"/>
+          </p:cNvSpPr>
+          <p:nvPr>
+            <p:ph type="title"/>
+          </p:nvPr>
+        </p:nvSpPr>
+        <p:spPr>
+          <a:xfrm>
+            <a:off x="838200" y="365125"/>
+            <a:ext cx="10515600" cy="1325563"/>
+          </a:xfrm>
+        </p:spPr>
+        <p:txBody>
+          <a:bodyPr/>
+          <a:lstStyle/>
+          <a:p>
+            <a:r>
+              <a:rPr lang="en-US" altLang="zh-TW" dirty="0" smtClean="0"/>
+              <a:t>Handling Of Booking Limit</a:t>
+            </a:r>
+            <a:endParaRPr lang="zh-TW" altLang="en-US" dirty="0"/>
+          </a:p>
+        </p:txBody>
+      </p:sp>
+      <p:sp>
+        <p:nvSpPr>
+          <p:cNvPr id="7" name="橢圓 6"/>
+          <p:cNvSpPr/>
+          <p:nvPr/>
+        </p:nvSpPr>
+        <p:spPr>
+          <a:xfrm>
+            <a:off x="894185" y="2986411"/>
+            <a:ext cx="867747" cy="345232"/>
+          </a:xfrm>
+          <a:prstGeom prst="ellipse">
+            <a:avLst/>
+          </a:prstGeom>
+          <a:noFill/>
+          <a:ln w="28575">
+            <a:solidFill>
+              <a:srgbClr val="FF0000"/>
+            </a:solidFill>
+          </a:ln>
+        </p:spPr>
+        <p:style>
+          <a:lnRef idx="2">
+            <a:schemeClr val="accent1">
+              <a:shade val="50000"/>
+            </a:schemeClr>
+          </a:lnRef>
+          <a:fillRef idx="1">
+            <a:schemeClr val="accent1"/>
+          </a:fillRef>
+          <a:effectRef idx="0">
+            <a:schemeClr val="accent1"/>
+          </a:effectRef>
+          <a:fontRef idx="minor">
+            <a:schemeClr val="lt1"/>
+          </a:fontRef>
+        </p:style>
+        <p:txBody>
+          <a:bodyPr rtlCol="0" anchor="ctr"/>
+          <a:lstStyle/>
+          <a:p>
+            <a:pPr algn="ctr"/>
+            <a:endParaRPr lang="zh-TW" altLang="en-US"/>
+          </a:p>
+        </p:txBody>
+      </p:sp>
+    </p:spTree>
+    <p:extLst>
+      <p:ext uri="{BB962C8B-B14F-4D97-AF65-F5344CB8AC3E}">
+        <p14:creationId xmlns:p14="http://schemas.microsoft.com/office/powerpoint/2010/main" val="3422868330"/>
+      </p:ext>
+    </p:extLst>
+  </p:cSld>
+  <p:clrMapOvr>
+    <a:masterClrMapping/>
+  </p:clrMapOvr>
+  <p:timing>
+    <p:tnLst>
+      <p:par>
+        <p:cTn id="1" dur="indefinite" restart="never" nodeType="tmRoot"/>
+      </p:par>
+    </p:tnLst>
+  </p:timing>
+</p:sld>
+</file>
+
+<file path=ppt/slides/slide11.xml><?xml version="1.0" encoding="utf-8"?>
+<p:sld xmlns:a="http://schemas.openxmlformats.org/drawingml/2006/main" xmlns:r="http://schemas.openxmlformats.org/officeDocument/2006/relationships" xmlns:p="http://schemas.openxmlformats.org/presentationml/2006/main">
+  <p:cSld>
+    <p:spTree>
+      <p:nvGrpSpPr>
+        <p:cNvPr id="1" name=""/>
+        <p:cNvGrpSpPr/>
+        <p:nvPr/>
+      </p:nvGrpSpPr>
+      <p:grpSpPr>
+        <a:xfrm>
+          <a:off x="0" y="0"/>
+          <a:ext cx="0" cy="0"/>
+          <a:chOff x="0" y="0"/>
+          <a:chExt cx="0" cy="0"/>
+        </a:xfrm>
+      </p:grpSpPr>
+      <p:sp>
+        <p:nvSpPr>
+          <p:cNvPr id="2" name="標題 1"/>
+          <p:cNvSpPr>
+            <a:spLocks noGrp="1"/>
+          </p:cNvSpPr>
+          <p:nvPr>
+            <p:ph type="title"/>
+          </p:nvPr>
+        </p:nvSpPr>
+        <p:spPr/>
+        <p:txBody>
+          <a:bodyPr/>
+          <a:lstStyle/>
+          <a:p>
+            <a:r>
+              <a:rPr lang="en-US" altLang="zh-TW" dirty="0"/>
+              <a:t>Handling Of Booking Limit</a:t>
+            </a:r>
+            <a:endParaRPr lang="zh-TW" altLang="en-US" dirty="0"/>
+          </a:p>
+        </p:txBody>
+      </p:sp>
+      <p:sp>
+        <p:nvSpPr>
+          <p:cNvPr id="3" name="內容版面配置區 2"/>
+          <p:cNvSpPr>
+            <a:spLocks noGrp="1"/>
+          </p:cNvSpPr>
+          <p:nvPr>
+            <p:ph idx="1"/>
+          </p:nvPr>
+        </p:nvSpPr>
+        <p:spPr/>
+        <p:txBody>
+          <a:bodyPr/>
+          <a:lstStyle/>
+          <a:p>
+            <a:endParaRPr lang="zh-TW" altLang="en-US" dirty="0"/>
+          </a:p>
+        </p:txBody>
+      </p:sp>
+      <p:pic>
+        <p:nvPicPr>
+          <p:cNvPr id="4" name="圖片 3"/>
+          <p:cNvPicPr>
+            <a:picLocks noChangeAspect="1"/>
+          </p:cNvPicPr>
+          <p:nvPr/>
+        </p:nvPicPr>
+        <p:blipFill rotWithShape="1">
+          <a:blip r:embed="rId2"/>
+          <a:srcRect l="4270" t="9073" r="47188" b="6668"/>
+          <a:stretch/>
+        </p:blipFill>
+        <p:spPr>
+          <a:xfrm>
+            <a:off x="838201" y="1825625"/>
+            <a:ext cx="4456536" cy="4351338"/>
+          </a:xfrm>
+          <a:prstGeom prst="rect">
+            <a:avLst/>
+          </a:prstGeom>
+        </p:spPr>
+      </p:pic>
+      <p:sp>
+        <p:nvSpPr>
+          <p:cNvPr id="5" name="橢圓 4"/>
+          <p:cNvSpPr/>
+          <p:nvPr/>
+        </p:nvSpPr>
+        <p:spPr>
+          <a:xfrm>
+            <a:off x="209550" y="2571750"/>
+            <a:ext cx="4932787" cy="1123949"/>
+          </a:xfrm>
+          <a:prstGeom prst="ellipse">
+            <a:avLst/>
+          </a:prstGeom>
+          <a:noFill/>
+          <a:ln w="28575">
+            <a:solidFill>
+              <a:srgbClr val="FF0000"/>
+            </a:solidFill>
+          </a:ln>
+        </p:spPr>
+        <p:style>
+          <a:lnRef idx="2">
+            <a:schemeClr val="accent1">
+              <a:shade val="50000"/>
+            </a:schemeClr>
+          </a:lnRef>
+          <a:fillRef idx="1">
+            <a:schemeClr val="accent1"/>
+          </a:fillRef>
+          <a:effectRef idx="0">
+            <a:schemeClr val="accent1"/>
+          </a:effectRef>
+          <a:fontRef idx="minor">
+            <a:schemeClr val="lt1"/>
+          </a:fontRef>
+        </p:style>
+        <p:txBody>
+          <a:bodyPr rtlCol="0" anchor="ctr"/>
+          <a:lstStyle/>
+          <a:p>
+            <a:pPr algn="ctr"/>
+            <a:endParaRPr lang="zh-TW" altLang="en-US"/>
+          </a:p>
+        </p:txBody>
+      </p:sp>
+      <p:pic>
+        <p:nvPicPr>
+          <p:cNvPr id="6" name="圖片 5"/>
+          <p:cNvPicPr>
+            <a:picLocks noChangeAspect="1"/>
+          </p:cNvPicPr>
+          <p:nvPr/>
+        </p:nvPicPr>
+        <p:blipFill rotWithShape="1">
+          <a:blip r:embed="rId3"/>
+          <a:srcRect l="93" t="8601" r="40741" b="10081"/>
+          <a:stretch/>
+        </p:blipFill>
+        <p:spPr>
+          <a:xfrm>
+            <a:off x="5550703" y="1825625"/>
+            <a:ext cx="5628553" cy="4351338"/>
+          </a:xfrm>
+          <a:prstGeom prst="rect">
+            <a:avLst/>
+          </a:prstGeom>
+        </p:spPr>
+      </p:pic>
+      <p:sp>
+        <p:nvSpPr>
+          <p:cNvPr id="7" name="橢圓 6"/>
+          <p:cNvSpPr/>
+          <p:nvPr/>
+        </p:nvSpPr>
+        <p:spPr>
+          <a:xfrm>
+            <a:off x="5989120" y="5159533"/>
+            <a:ext cx="1525257" cy="399295"/>
+          </a:xfrm>
+          <a:prstGeom prst="ellipse">
+            <a:avLst/>
+          </a:prstGeom>
+          <a:noFill/>
+          <a:ln w="28575">
+            <a:solidFill>
+              <a:srgbClr val="FF0000"/>
+            </a:solidFill>
+          </a:ln>
+        </p:spPr>
+        <p:style>
+          <a:lnRef idx="2">
+            <a:schemeClr val="accent1">
+              <a:shade val="50000"/>
+            </a:schemeClr>
+          </a:lnRef>
+          <a:fillRef idx="1">
+            <a:schemeClr val="accent1"/>
+          </a:fillRef>
+          <a:effectRef idx="0">
+            <a:schemeClr val="accent1"/>
+          </a:effectRef>
+          <a:fontRef idx="minor">
+            <a:schemeClr val="lt1"/>
+          </a:fontRef>
+        </p:style>
+        <p:txBody>
+          <a:bodyPr rtlCol="0" anchor="ctr"/>
+          <a:lstStyle/>
+          <a:p>
+            <a:pPr algn="ctr"/>
+            <a:endParaRPr lang="zh-TW" altLang="en-US"/>
+          </a:p>
+        </p:txBody>
+      </p:sp>
+      <p:sp>
+        <p:nvSpPr>
+          <p:cNvPr id="8" name="橢圓 7"/>
+          <p:cNvSpPr/>
+          <p:nvPr/>
+        </p:nvSpPr>
+        <p:spPr>
+          <a:xfrm>
+            <a:off x="6096000" y="5558828"/>
+            <a:ext cx="1525257" cy="399295"/>
+          </a:xfrm>
+          <a:prstGeom prst="ellipse">
+            <a:avLst/>
+          </a:prstGeom>
+          <a:noFill/>
+          <a:ln w="28575">
+            <a:solidFill>
+              <a:srgbClr val="FF0000"/>
+            </a:solidFill>
+          </a:ln>
+        </p:spPr>
+        <p:style>
+          <a:lnRef idx="2">
+            <a:schemeClr val="accent1">
+              <a:shade val="50000"/>
+            </a:schemeClr>
+          </a:lnRef>
+          <a:fillRef idx="1">
+            <a:schemeClr val="accent1"/>
+          </a:fillRef>
+          <a:effectRef idx="0">
+            <a:schemeClr val="accent1"/>
+          </a:effectRef>
+          <a:fontRef idx="minor">
+            <a:schemeClr val="lt1"/>
+          </a:fontRef>
+        </p:style>
+        <p:txBody>
+          <a:bodyPr rtlCol="0" anchor="ctr"/>
+          <a:lstStyle/>
+          <a:p>
+            <a:pPr algn="ctr"/>
+            <a:endParaRPr lang="zh-TW" altLang="en-US"/>
+          </a:p>
+        </p:txBody>
+      </p:sp>
+    </p:spTree>
+    <p:extLst>
+      <p:ext uri="{BB962C8B-B14F-4D97-AF65-F5344CB8AC3E}">
+        <p14:creationId xmlns:p14="http://schemas.microsoft.com/office/powerpoint/2010/main" val="2628079190"/>
+      </p:ext>
+    </p:extLst>
+  </p:cSld>
+  <p:clrMapOvr>
+    <a:masterClrMapping/>
+  </p:clrMapOvr>
+  <p:timing>
+    <p:tnLst>
+      <p:par>
+        <p:cTn id="1" dur="indefinite" restart="never" nodeType="tmRoot"/>
+      </p:par>
+    </p:tnLst>
+  </p:timing>
 </p:sld>
 </file>
 
